--- a/Poster.pptx
+++ b/Poster.pptx
@@ -326,7 +326,7 @@
           <a:p>
             <a:fld id="{F7AF83CB-444B-4D39-A7AD-CEBEA2A672D4}" type="datetimeFigureOut">
               <a:rPr lang="pt-PT" smtClean="0"/>
-              <a:t>03-12-2015</a:t>
+              <a:t>04-12-2015</a:t>
             </a:fld>
             <a:endParaRPr lang="pt-PT"/>
           </a:p>
@@ -513,7 +513,7 @@
           <a:p>
             <a:fld id="{F7AF83CB-444B-4D39-A7AD-CEBEA2A672D4}" type="datetimeFigureOut">
               <a:rPr lang="pt-PT" smtClean="0"/>
-              <a:t>03-12-2015</a:t>
+              <a:t>04-12-2015</a:t>
             </a:fld>
             <a:endParaRPr lang="pt-PT"/>
           </a:p>
@@ -688,7 +688,7 @@
           <a:p>
             <a:fld id="{F7AF83CB-444B-4D39-A7AD-CEBEA2A672D4}" type="datetimeFigureOut">
               <a:rPr lang="pt-PT" smtClean="0"/>
-              <a:t>03-12-2015</a:t>
+              <a:t>04-12-2015</a:t>
             </a:fld>
             <a:endParaRPr lang="pt-PT"/>
           </a:p>
@@ -868,7 +868,7 @@
           <a:p>
             <a:fld id="{F7AF83CB-444B-4D39-A7AD-CEBEA2A672D4}" type="datetimeFigureOut">
               <a:rPr lang="pt-PT" smtClean="0"/>
-              <a:t>03-12-2015</a:t>
+              <a:t>04-12-2015</a:t>
             </a:fld>
             <a:endParaRPr lang="pt-PT"/>
           </a:p>
@@ -1115,7 +1115,7 @@
           <a:p>
             <a:fld id="{F7AF83CB-444B-4D39-A7AD-CEBEA2A672D4}" type="datetimeFigureOut">
               <a:rPr lang="pt-PT" smtClean="0"/>
-              <a:t>03-12-2015</a:t>
+              <a:t>04-12-2015</a:t>
             </a:fld>
             <a:endParaRPr lang="pt-PT"/>
           </a:p>
@@ -1589,7 +1589,7 @@
           <a:p>
             <a:fld id="{F7AF83CB-444B-4D39-A7AD-CEBEA2A672D4}" type="datetimeFigureOut">
               <a:rPr lang="pt-PT" smtClean="0"/>
-              <a:t>03-12-2015</a:t>
+              <a:t>04-12-2015</a:t>
             </a:fld>
             <a:endParaRPr lang="pt-PT"/>
           </a:p>
@@ -2004,7 +2004,7 @@
           <a:p>
             <a:fld id="{F7AF83CB-444B-4D39-A7AD-CEBEA2A672D4}" type="datetimeFigureOut">
               <a:rPr lang="pt-PT" smtClean="0"/>
-              <a:t>03-12-2015</a:t>
+              <a:t>04-12-2015</a:t>
             </a:fld>
             <a:endParaRPr lang="pt-PT"/>
           </a:p>
@@ -2135,7 +2135,7 @@
           <a:p>
             <a:fld id="{F7AF83CB-444B-4D39-A7AD-CEBEA2A672D4}" type="datetimeFigureOut">
               <a:rPr lang="pt-PT" smtClean="0"/>
-              <a:t>03-12-2015</a:t>
+              <a:t>04-12-2015</a:t>
             </a:fld>
             <a:endParaRPr lang="pt-PT"/>
           </a:p>
@@ -2230,7 +2230,7 @@
           <a:p>
             <a:fld id="{F7AF83CB-444B-4D39-A7AD-CEBEA2A672D4}" type="datetimeFigureOut">
               <a:rPr lang="pt-PT" smtClean="0"/>
-              <a:t>03-12-2015</a:t>
+              <a:t>04-12-2015</a:t>
             </a:fld>
             <a:endParaRPr lang="pt-PT"/>
           </a:p>
@@ -2508,7 +2508,7 @@
           <a:p>
             <a:fld id="{F7AF83CB-444B-4D39-A7AD-CEBEA2A672D4}" type="datetimeFigureOut">
               <a:rPr lang="pt-PT" smtClean="0"/>
-              <a:t>03-12-2015</a:t>
+              <a:t>04-12-2015</a:t>
             </a:fld>
             <a:endParaRPr lang="pt-PT"/>
           </a:p>
@@ -2760,7 +2760,7 @@
           <a:p>
             <a:fld id="{F7AF83CB-444B-4D39-A7AD-CEBEA2A672D4}" type="datetimeFigureOut">
               <a:rPr lang="pt-PT" smtClean="0"/>
-              <a:t>03-12-2015</a:t>
+              <a:t>04-12-2015</a:t>
             </a:fld>
             <a:endParaRPr lang="pt-PT"/>
           </a:p>
@@ -3132,7 +3132,7 @@
           <a:p>
             <a:fld id="{F7AF83CB-444B-4D39-A7AD-CEBEA2A672D4}" type="datetimeFigureOut">
               <a:rPr lang="pt-PT" smtClean="0"/>
-              <a:t>03-12-2015</a:t>
+              <a:t>04-12-2015</a:t>
             </a:fld>
             <a:endParaRPr lang="pt-PT"/>
           </a:p>
@@ -3559,8 +3559,8 @@
         </p:nvSpPr>
         <p:spPr>
           <a:xfrm>
-            <a:off x="8209087" y="432298"/>
-            <a:ext cx="7272804" cy="1569630"/>
+            <a:off x="8183294" y="637712"/>
+            <a:ext cx="7272804" cy="2185183"/>
           </a:xfrm>
           <a:prstGeom prst="rect">
             <a:avLst/>
@@ -3584,6 +3584,13 @@
           </a:p>
           <a:p>
             <a:pPr algn="ctr"/>
+            <a:endParaRPr lang="pt-PT" sz="4000" b="1" dirty="0" smtClean="0">
+              <a:latin typeface="Arial" pitchFamily="34" charset="0"/>
+              <a:cs typeface="Arial" pitchFamily="34" charset="0"/>
+            </a:endParaRPr>
+          </a:p>
+          <a:p>
+            <a:pPr algn="ctr"/>
             <a:r>
               <a:rPr lang="pt-PT" sz="2800" b="1" dirty="0" smtClean="0">
                 <a:latin typeface="Arial" pitchFamily="34" charset="0"/>
@@ -3616,7 +3623,7 @@
         </p:nvSpPr>
         <p:spPr>
           <a:xfrm>
-            <a:off x="1656360" y="2952587"/>
+            <a:off x="1656360" y="3374757"/>
             <a:ext cx="7992888" cy="12157144"/>
           </a:xfrm>
           <a:prstGeom prst="rect">
@@ -3707,7 +3714,7 @@
         </p:nvSpPr>
         <p:spPr>
           <a:xfrm>
-            <a:off x="12260850" y="2952587"/>
+            <a:off x="12260850" y="3374757"/>
             <a:ext cx="10585176" cy="3539430"/>
           </a:xfrm>
           <a:prstGeom prst="rect">
@@ -3777,7 +3784,7 @@
         </p:blipFill>
         <p:spPr>
           <a:xfrm>
-            <a:off x="12260850" y="6696994"/>
+            <a:off x="12260850" y="7119164"/>
             <a:ext cx="10585176" cy="5064124"/>
           </a:xfrm>
           <a:prstGeom prst="rect">
@@ -3793,7 +3800,7 @@
         </p:nvSpPr>
         <p:spPr>
           <a:xfrm>
-            <a:off x="1656359" y="22610762"/>
+            <a:off x="1519100" y="24410962"/>
             <a:ext cx="9577063" cy="6324808"/>
           </a:xfrm>
           <a:prstGeom prst="rect">
@@ -3843,7 +3850,7 @@
         </p:nvSpPr>
         <p:spPr>
           <a:xfrm>
-            <a:off x="12241535" y="11773558"/>
+            <a:off x="12241535" y="12195728"/>
             <a:ext cx="10604491" cy="792088"/>
           </a:xfrm>
           <a:prstGeom prst="rect">
@@ -3891,7 +3898,7 @@
         </p:nvSpPr>
         <p:spPr>
           <a:xfrm>
-            <a:off x="12393406" y="11907992"/>
+            <a:off x="12393406" y="12330162"/>
             <a:ext cx="10300748" cy="523220"/>
           </a:xfrm>
           <a:prstGeom prst="rect">
@@ -3947,7 +3954,7 @@
         </p:blipFill>
         <p:spPr>
           <a:xfrm>
-            <a:off x="648247" y="15109730"/>
+            <a:off x="622454" y="15968798"/>
             <a:ext cx="11208252" cy="6204888"/>
           </a:xfrm>
           <a:prstGeom prst="rect">
@@ -3963,7 +3970,7 @@
         </p:nvSpPr>
         <p:spPr>
           <a:xfrm>
-            <a:off x="648247" y="21349370"/>
+            <a:off x="622454" y="22182764"/>
             <a:ext cx="11197242" cy="792088"/>
           </a:xfrm>
           <a:prstGeom prst="rect">
@@ -4011,7 +4018,7 @@
         </p:nvSpPr>
         <p:spPr>
           <a:xfrm>
-            <a:off x="648247" y="21483804"/>
+            <a:off x="622454" y="22317198"/>
             <a:ext cx="11197242" cy="523220"/>
           </a:xfrm>
           <a:prstGeom prst="rect">
@@ -4053,8 +4060,8 @@
         </p:nvSpPr>
         <p:spPr>
           <a:xfrm>
-            <a:off x="1683529" y="28013294"/>
-            <a:ext cx="10709877" cy="7617470"/>
+            <a:off x="1531658" y="30819674"/>
+            <a:ext cx="10709877" cy="5463034"/>
           </a:xfrm>
           <a:prstGeom prst="rect">
             <a:avLst/>
@@ -4066,22 +4073,6 @@
             <a:spAutoFit/>
           </a:bodyPr>
           <a:lstStyle/>
-          <a:p>
-            <a:r>
-              <a:rPr lang="pt-PT" sz="2800" dirty="0">
-                <a:latin typeface="Arial" pitchFamily="34" charset="0"/>
-                <a:cs typeface="Arial" pitchFamily="34" charset="0"/>
-              </a:rPr>
-              <a:t>Este projeto foi uma oportunidade para alargar os meus conhecimentos em programação para a Web e Web design que foram aprendidos ao longo do curso, aliada à oportunidade de poder aplicar esses conhecimentos num projeto que visa responder a necessidades reais</a:t>
-            </a:r>
-            <a:r>
-              <a:rPr lang="pt-PT" sz="2800" dirty="0" smtClean="0">
-                <a:latin typeface="Arial" pitchFamily="34" charset="0"/>
-                <a:cs typeface="Arial" pitchFamily="34" charset="0"/>
-              </a:rPr>
-              <a:t>.</a:t>
-            </a:r>
-          </a:p>
           <a:p>
             <a:endParaRPr lang="pt-PT" sz="2800" dirty="0">
               <a:latin typeface="Arial" pitchFamily="34" charset="0"/>
@@ -4274,7 +4265,7 @@
         </p:blipFill>
         <p:spPr>
           <a:xfrm>
-            <a:off x="12241532" y="19086444"/>
+            <a:off x="12241533" y="20418300"/>
             <a:ext cx="11724521" cy="7920880"/>
           </a:xfrm>
           <a:prstGeom prst="rect">
@@ -4290,7 +4281,7 @@
         </p:nvSpPr>
         <p:spPr>
           <a:xfrm>
-            <a:off x="12260850" y="27007324"/>
+            <a:off x="12210168" y="28339180"/>
             <a:ext cx="11724521" cy="2351150"/>
           </a:xfrm>
           <a:prstGeom prst="rect">
@@ -4338,7 +4329,7 @@
         </p:nvSpPr>
         <p:spPr>
           <a:xfrm>
-            <a:off x="12312139" y="27111705"/>
+            <a:off x="12371677" y="28450186"/>
             <a:ext cx="11705205" cy="2246769"/>
           </a:xfrm>
           <a:prstGeom prst="rect">
@@ -4428,7 +4419,7 @@
         </p:nvSpPr>
         <p:spPr>
           <a:xfrm>
-            <a:off x="12260850" y="12961690"/>
+            <a:off x="12260850" y="13609762"/>
             <a:ext cx="11705204" cy="6124754"/>
           </a:xfrm>
           <a:prstGeom prst="rect">
@@ -4505,7 +4496,7 @@
         </p:nvSpPr>
         <p:spPr>
           <a:xfrm>
-            <a:off x="12393406" y="30603650"/>
+            <a:off x="12316084" y="31275842"/>
             <a:ext cx="11623938" cy="3970318"/>
           </a:xfrm>
           <a:prstGeom prst="rect">
@@ -4529,6 +4520,36 @@
           </a:p>
         </p:txBody>
       </p:sp>
+      <p:pic>
+        <p:nvPicPr>
+          <p:cNvPr id="12" name="Picture 11"/>
+          <p:cNvPicPr>
+            <a:picLocks noChangeAspect="1"/>
+          </p:cNvPicPr>
+          <p:nvPr/>
+        </p:nvPicPr>
+        <p:blipFill>
+          <a:blip r:embed="rId5" cstate="print">
+            <a:extLst>
+              <a:ext uri="{28A0092B-C50C-407E-A947-70E740481C1C}">
+                <a14:useLocalDpi xmlns:a14="http://schemas.microsoft.com/office/drawing/2010/main" val="0"/>
+              </a:ext>
+            </a:extLst>
+          </a:blip>
+          <a:stretch>
+            <a:fillRect/>
+          </a:stretch>
+        </p:blipFill>
+        <p:spPr>
+          <a:xfrm>
+            <a:off x="5653723" y="545244"/>
+            <a:ext cx="2027586" cy="2863543"/>
+          </a:xfrm>
+          <a:prstGeom prst="rect">
+            <a:avLst/>
+          </a:prstGeom>
+        </p:spPr>
+      </p:pic>
     </p:spTree>
     <p:extLst>
       <p:ext uri="{BB962C8B-B14F-4D97-AF65-F5344CB8AC3E}">
